--- a/lectures_strang_en/Lecture_14_Strang_EN.pptx
+++ b/lectures_strang_en/Lecture_14_Strang_EN.pptx
@@ -234,7 +234,7 @@
           <a:p>
             <a:fld id="{C7B76BB3-96B4-D949-BA97-2F034CC20E35}" type="datetimeFigureOut">
               <a:rPr lang="es-ES_tradnl" smtClean="0"/>
-              <a:t>5/5/20</a:t>
+              <a:t>21/5/22</a:t>
             </a:fld>
             <a:endParaRPr lang="es-ES_tradnl"/>
           </a:p>
@@ -407,7 +407,7 @@
           <a:p>
             <a:fld id="{BC3897DA-3038-2943-8BC6-34E6C6DE6379}" type="datetimeFigureOut">
               <a:rPr lang="es-ES_tradnl" smtClean="0"/>
-              <a:t>5/5/20</a:t>
+              <a:t>21/5/22</a:t>
             </a:fld>
             <a:endParaRPr lang="es-ES_tradnl"/>
           </a:p>
@@ -869,7 +869,7 @@
             <a:fld id="{75EEBB46-7A81-4557-A313-00D814F92FCC}" type="datetimeFigureOut">
               <a:rPr lang="es-ES" smtClean="0"/>
               <a:pPr/>
-              <a:t>5/5/20</a:t>
+              <a:t>21/5/22</a:t>
             </a:fld>
             <a:endParaRPr lang="es-ES"/>
           </a:p>
@@ -1232,7 +1232,7 @@
             <a:fld id="{75EEBB46-7A81-4557-A313-00D814F92FCC}" type="datetimeFigureOut">
               <a:rPr lang="es-ES" smtClean="0"/>
               <a:pPr/>
-              <a:t>5/5/20</a:t>
+              <a:t>21/5/22</a:t>
             </a:fld>
             <a:endParaRPr lang="es-ES"/>
           </a:p>
@@ -1417,7 +1417,7 @@
             <a:fld id="{75EEBB46-7A81-4557-A313-00D814F92FCC}" type="datetimeFigureOut">
               <a:rPr lang="es-ES" smtClean="0"/>
               <a:pPr/>
-              <a:t>5/5/20</a:t>
+              <a:t>21/5/22</a:t>
             </a:fld>
             <a:endParaRPr lang="es-ES"/>
           </a:p>
@@ -1540,7 +1540,7 @@
             <a:fld id="{75EEBB46-7A81-4557-A313-00D814F92FCC}" type="datetimeFigureOut">
               <a:rPr lang="es-ES" smtClean="0"/>
               <a:pPr/>
-              <a:t>5/5/20</a:t>
+              <a:t>21/5/22</a:t>
             </a:fld>
             <a:endParaRPr lang="es-ES"/>
           </a:p>
@@ -1908,7 +1908,7 @@
             <a:fld id="{75EEBB46-7A81-4557-A313-00D814F92FCC}" type="datetimeFigureOut">
               <a:rPr lang="es-ES" smtClean="0"/>
               <a:pPr/>
-              <a:t>5/5/20</a:t>
+              <a:t>21/5/22</a:t>
             </a:fld>
             <a:endParaRPr lang="es-ES"/>
           </a:p>
@@ -2183,7 +2183,7 @@
             <a:fld id="{75EEBB46-7A81-4557-A313-00D814F92FCC}" type="datetimeFigureOut">
               <a:rPr lang="es-ES" smtClean="0"/>
               <a:pPr/>
-              <a:t>5/5/20</a:t>
+              <a:t>21/5/22</a:t>
             </a:fld>
             <a:endParaRPr lang="es-ES"/>
           </a:p>
@@ -2555,7 +2555,7 @@
             <a:fld id="{75EEBB46-7A81-4557-A313-00D814F92FCC}" type="datetimeFigureOut">
               <a:rPr lang="es-ES" smtClean="0"/>
               <a:pPr/>
-              <a:t>5/5/20</a:t>
+              <a:t>21/5/22</a:t>
             </a:fld>
             <a:endParaRPr lang="es-ES"/>
           </a:p>
@@ -2792,7 +2792,7 @@
             <a:fld id="{75EEBB46-7A81-4557-A313-00D814F92FCC}" type="datetimeFigureOut">
               <a:rPr lang="es-ES" smtClean="0"/>
               <a:pPr/>
-              <a:t>5/5/20</a:t>
+              <a:t>21/5/22</a:t>
             </a:fld>
             <a:endParaRPr lang="es-ES"/>
           </a:p>
@@ -2892,7 +2892,7 @@
             <a:fld id="{75EEBB46-7A81-4557-A313-00D814F92FCC}" type="datetimeFigureOut">
               <a:rPr lang="es-ES" smtClean="0"/>
               <a:pPr/>
-              <a:t>5/5/20</a:t>
+              <a:t>21/5/22</a:t>
             </a:fld>
             <a:endParaRPr lang="es-ES"/>
           </a:p>
@@ -3169,7 +3169,7 @@
             <a:fld id="{75EEBB46-7A81-4557-A313-00D814F92FCC}" type="datetimeFigureOut">
               <a:rPr lang="es-ES" smtClean="0"/>
               <a:pPr/>
-              <a:t>5/5/20</a:t>
+              <a:t>21/5/22</a:t>
             </a:fld>
             <a:endParaRPr lang="es-ES"/>
           </a:p>
@@ -3407,7 +3407,7 @@
             <a:fld id="{75EEBB46-7A81-4557-A313-00D814F92FCC}" type="datetimeFigureOut">
               <a:rPr lang="es-ES" smtClean="0"/>
               <a:pPr/>
-              <a:t>5/5/20</a:t>
+              <a:t>21/5/22</a:t>
             </a:fld>
             <a:endParaRPr lang="es-ES"/>
           </a:p>
@@ -3908,7 +3908,7 @@
             <a:fld id="{75EEBB46-7A81-4557-A313-00D814F92FCC}" type="datetimeFigureOut">
               <a:rPr lang="es-ES" smtClean="0"/>
               <a:pPr/>
-              <a:t>5/5/20</a:t>
+              <a:t>21/5/22</a:t>
             </a:fld>
             <a:endParaRPr lang="es-ES"/>
           </a:p>
@@ -17797,8 +17797,8 @@
           </p:sp>
         </mc:Fallback>
       </mc:AlternateContent>
-      <mc:AlternateContent xmlns:mc="http://schemas.openxmlformats.org/markup-compatibility/2006" xmlns:a14="http://schemas.microsoft.com/office/drawing/2010/main">
-        <mc:Choice Requires="a14">
+      <mc:AlternateContent xmlns:mc="http://schemas.openxmlformats.org/markup-compatibility/2006">
+        <mc:Choice xmlns:a14="http://schemas.microsoft.com/office/drawing/2010/main" Requires="a14">
           <p:sp>
             <p:nvSpPr>
               <p:cNvPr id="44" name="Rectángulo 43">
@@ -17814,7 +17814,7 @@
             <p:spPr>
               <a:xfrm>
                 <a:off x="5292080" y="4819899"/>
-                <a:ext cx="2898999" cy="824906"/>
+                <a:ext cx="2982355" cy="824906"/>
               </a:xfrm>
               <a:prstGeom prst="rect">
                 <a:avLst/>
@@ -17869,18 +17869,18 @@
                             </m:e>
                             <m:e>
                               <m:r>
-                                <a:rPr lang="es-ES" i="1">
+                                <a:rPr lang="es-ES" b="0" i="1" smtClean="0">
                                   <a:latin typeface="Cambria Math" panose="02040503050406030204" pitchFamily="18" charset="0"/>
                                 </a:rPr>
-                                <m:t>2</m:t>
+                                <m:t>1</m:t>
                               </m:r>
                             </m:e>
                             <m:e>
                               <m:r>
-                                <a:rPr lang="es-ES" i="1">
+                                <a:rPr lang="es-ES" b="0" i="1" smtClean="0">
                                   <a:latin typeface="Cambria Math" panose="02040503050406030204" pitchFamily="18" charset="0"/>
                                 </a:rPr>
-                                <m:t>5</m:t>
+                                <m:t>1</m:t>
                               </m:r>
                             </m:e>
                           </m:mr>
@@ -18102,7 +18102,7 @@
             </p:txBody>
           </p:sp>
         </mc:Choice>
-        <mc:Fallback xmlns="">
+        <mc:Fallback>
           <p:sp>
             <p:nvSpPr>
               <p:cNvPr id="44" name="Rectángulo 43">
@@ -18120,7 +18120,7 @@
             <p:spPr>
               <a:xfrm>
                 <a:off x="5292080" y="4819899"/>
-                <a:ext cx="2898999" cy="824906"/>
+                <a:ext cx="2982355" cy="824906"/>
               </a:xfrm>
               <a:prstGeom prst="rect">
                 <a:avLst/>
@@ -18128,7 +18128,7 @@
               <a:blipFill>
                 <a:blip r:embed="rId23"/>
                 <a:stretch>
-                  <a:fillRect b="-3077"/>
+                  <a:fillRect b="-3030"/>
                 </a:stretch>
               </a:blipFill>
             </p:spPr>
